--- a/image/image.pptx
+++ b/image/image.pptx
@@ -268,7 +268,7 @@
           <a:p>
             <a:fld id="{1A57161B-F437-48E8-B7AC-B6612B46E862}" type="datetimeFigureOut">
               <a:rPr lang="zh-CN" altLang="en-US" smtClean="0"/>
-              <a:t>2023/11/8</a:t>
+              <a:t>2023/11/9</a:t>
             </a:fld>
             <a:endParaRPr lang="zh-CN" altLang="en-US"/>
           </a:p>
@@ -466,7 +466,7 @@
           <a:p>
             <a:fld id="{1A57161B-F437-48E8-B7AC-B6612B46E862}" type="datetimeFigureOut">
               <a:rPr lang="zh-CN" altLang="en-US" smtClean="0"/>
-              <a:t>2023/11/8</a:t>
+              <a:t>2023/11/9</a:t>
             </a:fld>
             <a:endParaRPr lang="zh-CN" altLang="en-US"/>
           </a:p>
@@ -674,7 +674,7 @@
           <a:p>
             <a:fld id="{1A57161B-F437-48E8-B7AC-B6612B46E862}" type="datetimeFigureOut">
               <a:rPr lang="zh-CN" altLang="en-US" smtClean="0"/>
-              <a:t>2023/11/8</a:t>
+              <a:t>2023/11/9</a:t>
             </a:fld>
             <a:endParaRPr lang="zh-CN" altLang="en-US"/>
           </a:p>
@@ -872,7 +872,7 @@
           <a:p>
             <a:fld id="{1A57161B-F437-48E8-B7AC-B6612B46E862}" type="datetimeFigureOut">
               <a:rPr lang="zh-CN" altLang="en-US" smtClean="0"/>
-              <a:t>2023/11/8</a:t>
+              <a:t>2023/11/9</a:t>
             </a:fld>
             <a:endParaRPr lang="zh-CN" altLang="en-US"/>
           </a:p>
@@ -1147,7 +1147,7 @@
           <a:p>
             <a:fld id="{1A57161B-F437-48E8-B7AC-B6612B46E862}" type="datetimeFigureOut">
               <a:rPr lang="zh-CN" altLang="en-US" smtClean="0"/>
-              <a:t>2023/11/8</a:t>
+              <a:t>2023/11/9</a:t>
             </a:fld>
             <a:endParaRPr lang="zh-CN" altLang="en-US"/>
           </a:p>
@@ -1412,7 +1412,7 @@
           <a:p>
             <a:fld id="{1A57161B-F437-48E8-B7AC-B6612B46E862}" type="datetimeFigureOut">
               <a:rPr lang="zh-CN" altLang="en-US" smtClean="0"/>
-              <a:t>2023/11/8</a:t>
+              <a:t>2023/11/9</a:t>
             </a:fld>
             <a:endParaRPr lang="zh-CN" altLang="en-US"/>
           </a:p>
@@ -1824,7 +1824,7 @@
           <a:p>
             <a:fld id="{1A57161B-F437-48E8-B7AC-B6612B46E862}" type="datetimeFigureOut">
               <a:rPr lang="zh-CN" altLang="en-US" smtClean="0"/>
-              <a:t>2023/11/8</a:t>
+              <a:t>2023/11/9</a:t>
             </a:fld>
             <a:endParaRPr lang="zh-CN" altLang="en-US"/>
           </a:p>
@@ -1965,7 +1965,7 @@
           <a:p>
             <a:fld id="{1A57161B-F437-48E8-B7AC-B6612B46E862}" type="datetimeFigureOut">
               <a:rPr lang="zh-CN" altLang="en-US" smtClean="0"/>
-              <a:t>2023/11/8</a:t>
+              <a:t>2023/11/9</a:t>
             </a:fld>
             <a:endParaRPr lang="zh-CN" altLang="en-US"/>
           </a:p>
@@ -2078,7 +2078,7 @@
           <a:p>
             <a:fld id="{1A57161B-F437-48E8-B7AC-B6612B46E862}" type="datetimeFigureOut">
               <a:rPr lang="zh-CN" altLang="en-US" smtClean="0"/>
-              <a:t>2023/11/8</a:t>
+              <a:t>2023/11/9</a:t>
             </a:fld>
             <a:endParaRPr lang="zh-CN" altLang="en-US"/>
           </a:p>
@@ -2389,7 +2389,7 @@
           <a:p>
             <a:fld id="{1A57161B-F437-48E8-B7AC-B6612B46E862}" type="datetimeFigureOut">
               <a:rPr lang="zh-CN" altLang="en-US" smtClean="0"/>
-              <a:t>2023/11/8</a:t>
+              <a:t>2023/11/9</a:t>
             </a:fld>
             <a:endParaRPr lang="zh-CN" altLang="en-US"/>
           </a:p>
@@ -2677,7 +2677,7 @@
           <a:p>
             <a:fld id="{1A57161B-F437-48E8-B7AC-B6612B46E862}" type="datetimeFigureOut">
               <a:rPr lang="zh-CN" altLang="en-US" smtClean="0"/>
-              <a:t>2023/11/8</a:t>
+              <a:t>2023/11/9</a:t>
             </a:fld>
             <a:endParaRPr lang="zh-CN" altLang="en-US"/>
           </a:p>
@@ -2918,7 +2918,7 @@
           <a:p>
             <a:fld id="{1A57161B-F437-48E8-B7AC-B6612B46E862}" type="datetimeFigureOut">
               <a:rPr lang="zh-CN" altLang="en-US" smtClean="0"/>
-              <a:t>2023/11/8</a:t>
+              <a:t>2023/11/9</a:t>
             </a:fld>
             <a:endParaRPr lang="zh-CN" altLang="en-US"/>
           </a:p>
@@ -3481,8 +3481,8 @@
         </p:blipFill>
         <p:spPr>
           <a:xfrm>
-            <a:off x="1177605" y="1121335"/>
-            <a:ext cx="1324099" cy="1324099"/>
+            <a:off x="1047654" y="991385"/>
+            <a:ext cx="1584000" cy="1584000"/>
           </a:xfrm>
           <a:prstGeom prst="rect">
             <a:avLst/>
@@ -3491,10 +3491,10 @@
       </p:pic>
       <p:pic>
         <p:nvPicPr>
-          <p:cNvPr id="18" name="图片 17" descr="图标&#10;&#10;描述已自动生成">
-            <a:extLst>
-              <a:ext uri="{FF2B5EF4-FFF2-40B4-BE49-F238E27FC236}">
-                <a16:creationId xmlns:a16="http://schemas.microsoft.com/office/drawing/2014/main" id="{647BABAB-DCE1-8D86-5FDA-6A0FACD46D48}"/>
+          <p:cNvPr id="3" name="图片 2" descr="图标&#10;&#10;描述已自动生成">
+            <a:extLst>
+              <a:ext uri="{FF2B5EF4-FFF2-40B4-BE49-F238E27FC236}">
+                <a16:creationId xmlns:a16="http://schemas.microsoft.com/office/drawing/2014/main" id="{EB2C917B-889B-976E-F6A9-DB3ECC0CF350}"/>
               </a:ext>
             </a:extLst>
           </p:cNvPr>
@@ -3517,8 +3517,8 @@
         </p:blipFill>
         <p:spPr>
           <a:xfrm>
-            <a:off x="1177605" y="3699285"/>
-            <a:ext cx="1324099" cy="1324099"/>
+            <a:off x="1045808" y="3569335"/>
+            <a:ext cx="1584000" cy="1584000"/>
           </a:xfrm>
           <a:prstGeom prst="rect">
             <a:avLst/>
@@ -3792,8 +3792,8 @@
         </p:blipFill>
         <p:spPr>
           <a:xfrm>
-            <a:off x="1177255" y="1120985"/>
-            <a:ext cx="1324800" cy="1324800"/>
+            <a:off x="975655" y="919385"/>
+            <a:ext cx="1728000" cy="1728000"/>
           </a:xfrm>
           <a:prstGeom prst="rect">
             <a:avLst/>
@@ -3802,10 +3802,10 @@
       </p:pic>
       <p:pic>
         <p:nvPicPr>
-          <p:cNvPr id="14" name="图片 13" descr="图标&#10;&#10;描述已自动生成">
-            <a:extLst>
-              <a:ext uri="{FF2B5EF4-FFF2-40B4-BE49-F238E27FC236}">
-                <a16:creationId xmlns:a16="http://schemas.microsoft.com/office/drawing/2014/main" id="{4368C3BB-4887-5CBF-6C3F-DE5882C43882}"/>
+          <p:cNvPr id="3" name="图片 2" descr="图标&#10;&#10;描述已自动生成">
+            <a:extLst>
+              <a:ext uri="{FF2B5EF4-FFF2-40B4-BE49-F238E27FC236}">
+                <a16:creationId xmlns:a16="http://schemas.microsoft.com/office/drawing/2014/main" id="{2378339B-6A3D-594C-6672-F3BE74326486}"/>
               </a:ext>
             </a:extLst>
           </p:cNvPr>
@@ -3828,8 +3828,8 @@
         </p:blipFill>
         <p:spPr>
           <a:xfrm>
-            <a:off x="2919655" y="3846600"/>
-            <a:ext cx="1324800" cy="1324800"/>
+            <a:off x="2718055" y="3645000"/>
+            <a:ext cx="1728000" cy="1728000"/>
           </a:xfrm>
           <a:prstGeom prst="rect">
             <a:avLst/>
@@ -4807,8 +4807,8 @@
         </p:blipFill>
         <p:spPr>
           <a:xfrm>
-            <a:off x="2218263" y="1353751"/>
-            <a:ext cx="1324800" cy="1324800"/>
+            <a:off x="1963070" y="1098558"/>
+            <a:ext cx="1835185" cy="1835185"/>
           </a:xfrm>
           <a:prstGeom prst="rect">
             <a:avLst/>
@@ -4817,10 +4817,10 @@
       </p:pic>
       <p:pic>
         <p:nvPicPr>
-          <p:cNvPr id="12" name="图片 11" descr="图标&#10;&#10;描述已自动生成">
-            <a:extLst>
-              <a:ext uri="{FF2B5EF4-FFF2-40B4-BE49-F238E27FC236}">
-                <a16:creationId xmlns:a16="http://schemas.microsoft.com/office/drawing/2014/main" id="{080D75FB-D2BD-9B8D-4CA3-C368090910BB}"/>
+          <p:cNvPr id="3" name="图片 2" descr="图标&#10;&#10;描述已自动生成">
+            <a:extLst>
+              <a:ext uri="{FF2B5EF4-FFF2-40B4-BE49-F238E27FC236}">
+                <a16:creationId xmlns:a16="http://schemas.microsoft.com/office/drawing/2014/main" id="{58E587C9-601A-5688-2096-BBF5A598A074}"/>
               </a:ext>
             </a:extLst>
           </p:cNvPr>
@@ -4843,8 +4843,8 @@
         </p:blipFill>
         <p:spPr>
           <a:xfrm>
-            <a:off x="3116601" y="3973210"/>
-            <a:ext cx="1324800" cy="1324800"/>
+            <a:off x="2861408" y="3718017"/>
+            <a:ext cx="1835185" cy="1835185"/>
           </a:xfrm>
           <a:prstGeom prst="rect">
             <a:avLst/>
@@ -4969,6 +4969,17 @@
 <file path=ppt/slides/slide8.xml><?xml version="1.0" encoding="utf-8"?>
 <p:sld xmlns:a="http://schemas.openxmlformats.org/drawingml/2006/main" xmlns:r="http://schemas.openxmlformats.org/officeDocument/2006/relationships" xmlns:p="http://schemas.openxmlformats.org/presentationml/2006/main">
   <p:cSld>
+    <p:bg>
+      <p:bgPr>
+        <a:solidFill>
+          <a:schemeClr val="accent1">
+            <a:lumMod val="40000"/>
+            <a:lumOff val="60000"/>
+          </a:schemeClr>
+        </a:solidFill>
+        <a:effectLst/>
+      </p:bgPr>
+    </p:bg>
     <p:spTree>
       <p:nvGrpSpPr>
         <p:cNvPr id="1" name=""/>
@@ -5052,7 +5063,7 @@
         </p:nvSpPr>
         <p:spPr>
           <a:xfrm>
-            <a:off x="6057343" y="3721865"/>
+            <a:off x="7773022" y="3442406"/>
             <a:ext cx="2160000" cy="2160000"/>
           </a:xfrm>
           <a:prstGeom prst="roundRect">
@@ -5092,10 +5103,10 @@
       </p:sp>
       <p:pic>
         <p:nvPicPr>
-          <p:cNvPr id="5" name="图片 4" descr="图标&#10;&#10;描述已自动生成">
-            <a:extLst>
-              <a:ext uri="{FF2B5EF4-FFF2-40B4-BE49-F238E27FC236}">
-                <a16:creationId xmlns:a16="http://schemas.microsoft.com/office/drawing/2014/main" id="{D535F670-650E-3F36-22EC-747C0B60494D}"/>
+          <p:cNvPr id="3" name="图片 2" descr="图标&#10;&#10;描述已自动生成">
+            <a:extLst>
+              <a:ext uri="{FF2B5EF4-FFF2-40B4-BE49-F238E27FC236}">
+                <a16:creationId xmlns:a16="http://schemas.microsoft.com/office/drawing/2014/main" id="{BD658AFE-755D-756D-C36D-D466EBBE4B59}"/>
               </a:ext>
             </a:extLst>
           </p:cNvPr>
@@ -5104,7 +5115,7 @@
           </p:cNvPicPr>
           <p:nvPr/>
         </p:nvPicPr>
-        <p:blipFill>
+        <p:blipFill rotWithShape="1">
           <a:blip r:embed="rId2">
             <a:extLst>
               <a:ext uri="{28A0092B-C50C-407E-A947-70E740481C1C}">
@@ -5112,14 +5123,13 @@
               </a:ext>
             </a:extLst>
           </a:blip>
-          <a:stretch>
-            <a:fillRect/>
-          </a:stretch>
+          <a:srcRect l="13480" t="13480" r="14286" b="14286"/>
+          <a:stretch/>
         </p:blipFill>
         <p:spPr>
           <a:xfrm>
-            <a:off x="5332448" y="1275849"/>
-            <a:ext cx="1813113" cy="1813113"/>
+            <a:off x="7935429" y="3604813"/>
+            <a:ext cx="1835185" cy="1835185"/>
           </a:xfrm>
           <a:prstGeom prst="rect">
             <a:avLst/>
@@ -5128,10 +5138,10 @@
       </p:pic>
       <p:pic>
         <p:nvPicPr>
-          <p:cNvPr id="10" name="图片 9" descr="图标&#10;&#10;描述已自动生成">
-            <a:extLst>
-              <a:ext uri="{FF2B5EF4-FFF2-40B4-BE49-F238E27FC236}">
-                <a16:creationId xmlns:a16="http://schemas.microsoft.com/office/drawing/2014/main" id="{37654D70-159A-6E8B-F806-39257BEDDF23}"/>
+          <p:cNvPr id="4" name="图片 3" descr="图标&#10;&#10;描述已自动生成">
+            <a:extLst>
+              <a:ext uri="{FF2B5EF4-FFF2-40B4-BE49-F238E27FC236}">
+                <a16:creationId xmlns:a16="http://schemas.microsoft.com/office/drawing/2014/main" id="{F8231B52-816A-D524-DBE8-1745CB4CE193}"/>
               </a:ext>
             </a:extLst>
           </p:cNvPr>
@@ -5140,7 +5150,7 @@
           </p:cNvPicPr>
           <p:nvPr/>
         </p:nvPicPr>
-        <p:blipFill>
+        <p:blipFill rotWithShape="1">
           <a:blip r:embed="rId2">
             <a:extLst>
               <a:ext uri="{28A0092B-C50C-407E-A947-70E740481C1C}">
@@ -5148,14 +5158,13 @@
               </a:ext>
             </a:extLst>
           </a:blip>
-          <a:stretch>
-            <a:fillRect/>
-          </a:stretch>
+          <a:srcRect l="13480" t="13480" r="14286" b="14286"/>
+          <a:stretch/>
         </p:blipFill>
         <p:spPr>
           <a:xfrm>
-            <a:off x="6230786" y="3895308"/>
-            <a:ext cx="1813113" cy="1813113"/>
+            <a:off x="5321412" y="1264813"/>
+            <a:ext cx="1835185" cy="1835185"/>
           </a:xfrm>
           <a:prstGeom prst="rect">
             <a:avLst/>
